--- a/KT_AIVLE_DX_Regular_course/Week1/DX_빅프로젝트_설명회 자료 (2)/DX_수도권_4반_10조_양정우.pptx
+++ b/KT_AIVLE_DX_Regular_course/Week1/DX_빅프로젝트_설명회 자료 (2)/DX_수도권_4반_10조_양정우.pptx
@@ -364,7 +364,7 @@
                 <a:latin typeface="맑은 고딕" panose="020B0503020000020004" pitchFamily="34" charset="-127"/>
                 <a:ea typeface="맑은 고딕" panose="020B0503020000020004" pitchFamily="34" charset="-127"/>
               </a:rPr>
-              <a:t>2024-12-22</a:t>
+              <a:t>2024-12-30</a:t>
             </a:fld>
             <a:endParaRPr lang="ko-KR" altLang="en-US">
               <a:latin typeface="맑은 고딕" panose="020B0503020000020004" pitchFamily="34" charset="-127"/>
@@ -4392,14 +4392,14 @@
           <p:nvPr>
             <p:extLst>
               <p:ext uri="{D42A27DB-BD31-4B8C-83A1-F6EECF244321}">
-                <p14:modId xmlns:p14="http://schemas.microsoft.com/office/powerpoint/2010/main" val="2898852984"/>
+                <p14:modId xmlns:p14="http://schemas.microsoft.com/office/powerpoint/2010/main" val="4227117831"/>
               </p:ext>
             </p:extLst>
           </p:nvPr>
         </p:nvGraphicFramePr>
         <p:xfrm>
           <a:off x="696000" y="1068112"/>
-          <a:ext cx="10800000" cy="5540499"/>
+          <a:ext cx="10800000" cy="5488001"/>
         </p:xfrm>
         <a:graphic>
           <a:graphicData uri="http://schemas.openxmlformats.org/drawingml/2006/table">
@@ -5635,20 +5635,7 @@
                         <a:rPr lang="ko-KR" altLang="en-US" sz="1400" b="1" dirty="0"/>
                         <a:t>법적 증거 관리 시스템</a:t>
                       </a:r>
-                    </a:p>
-                    <a:p>
-                      <a:r>
-                        <a:rPr lang="en-US" altLang="ko-KR" sz="1400" dirty="0"/>
-                        <a:t>- AI </a:t>
-                      </a:r>
-                      <a:r>
-                        <a:rPr lang="ko-KR" altLang="en-US" sz="1400" dirty="0"/>
-                        <a:t>기반 데이터 분석으로 피해 증거를 자동 분류 및 관리</a:t>
-                      </a:r>
-                      <a:r>
-                        <a:rPr lang="en-US" altLang="ko-KR" sz="1400" dirty="0"/>
-                        <a:t>.</a:t>
-                      </a:r>
+                      <a:endParaRPr lang="en-US" altLang="ko-KR" sz="1400" b="1" dirty="0"/>
                     </a:p>
                     <a:p>
                       <a:r>
@@ -11419,6 +11406,26 @@
 </file>
 
 <file path=customXml/item1.xml><?xml version="1.0" encoding="utf-8"?>
+<?mso-contentType ?>
+<FormTemplates xmlns="http://schemas.microsoft.com/sharepoint/v3/contenttype/forms">
+  <Display>DocumentLibraryForm</Display>
+  <Edit>DocumentLibraryForm</Edit>
+  <New>DocumentLibraryForm</New>
+</FormTemplates>
+</file>
+
+<file path=customXml/item2.xml><?xml version="1.0" encoding="utf-8"?>
+<p:properties xmlns:p="http://schemas.microsoft.com/office/2006/metadata/properties" xmlns:xsi="http://www.w3.org/2001/XMLSchema-instance" xmlns:pc="http://schemas.microsoft.com/office/infopath/2007/PartnerControls">
+  <documentManagement>
+    <TaxCatchAll xmlns="1f1919ae-71d8-4e78-b1bd-1ce78ec43a0b" xsi:nil="true"/>
+    <lcf76f155ced4ddcb4097134ff3c332f xmlns="677f369c-0c7e-4879-9dfb-6cea400ef005">
+      <Terms xmlns="http://schemas.microsoft.com/office/infopath/2007/PartnerControls"/>
+    </lcf76f155ced4ddcb4097134ff3c332f>
+  </documentManagement>
+</p:properties>
+</file>
+
+<file path=customXml/item3.xml><?xml version="1.0" encoding="utf-8"?>
 <ct:contentTypeSchema xmlns:ct="http://schemas.microsoft.com/office/2006/metadata/contentType" xmlns:ma="http://schemas.microsoft.com/office/2006/metadata/properties/metaAttributes" ct:_="" ma:_="" ma:contentTypeName="문서" ma:contentTypeID="0x010100E7C302623EB9324799900221F4FFEB85" ma:contentTypeVersion="19" ma:contentTypeDescription="새 문서를 만듭니다." ma:contentTypeScope="" ma:versionID="ae7033b523457a225313f209514cfa61">
   <xsd:schema xmlns:xsd="http://www.w3.org/2001/XMLSchema" xmlns:xs="http://www.w3.org/2001/XMLSchema" xmlns:p="http://schemas.microsoft.com/office/2006/metadata/properties" xmlns:ns2="677f369c-0c7e-4879-9dfb-6cea400ef005" xmlns:ns3="1f1919ae-71d8-4e78-b1bd-1ce78ec43a0b" targetNamespace="http://schemas.microsoft.com/office/2006/metadata/properties" ma:root="true" ma:fieldsID="4ff836d7b68e46d79db0c6fbef9bf536" ns2:_="" ns3:_="">
     <xsd:import namespace="677f369c-0c7e-4879-9dfb-6cea400ef005"/>
@@ -11673,41 +11680,10 @@
 </ct:contentTypeSchema>
 </file>
 
-<file path=customXml/item2.xml><?xml version="1.0" encoding="utf-8"?>
-<p:properties xmlns:p="http://schemas.microsoft.com/office/2006/metadata/properties" xmlns:xsi="http://www.w3.org/2001/XMLSchema-instance" xmlns:pc="http://schemas.microsoft.com/office/infopath/2007/PartnerControls">
-  <documentManagement>
-    <TaxCatchAll xmlns="1f1919ae-71d8-4e78-b1bd-1ce78ec43a0b" xsi:nil="true"/>
-    <lcf76f155ced4ddcb4097134ff3c332f xmlns="677f369c-0c7e-4879-9dfb-6cea400ef005">
-      <Terms xmlns="http://schemas.microsoft.com/office/infopath/2007/PartnerControls"/>
-    </lcf76f155ced4ddcb4097134ff3c332f>
-  </documentManagement>
-</p:properties>
-</file>
-
-<file path=customXml/item3.xml><?xml version="1.0" encoding="utf-8"?>
-<?mso-contentType ?>
-<FormTemplates xmlns="http://schemas.microsoft.com/sharepoint/v3/contenttype/forms">
-  <Display>DocumentLibraryForm</Display>
-  <Edit>DocumentLibraryForm</Edit>
-  <New>DocumentLibraryForm</New>
-</FormTemplates>
-</file>
-
 <file path=customXml/itemProps1.xml><?xml version="1.0" encoding="utf-8"?>
-<ds:datastoreItem xmlns:ds="http://schemas.openxmlformats.org/officeDocument/2006/customXml" ds:itemID="{970F8390-6E74-4A79-9421-4644E21F9783}">
+<ds:datastoreItem xmlns:ds="http://schemas.openxmlformats.org/officeDocument/2006/customXml" ds:itemID="{EB6E4AB4-6812-4825-A477-08F4E470421C}">
   <ds:schemaRefs>
-    <ds:schemaRef ds:uri="http://schemas.microsoft.com/office/2006/metadata/contentType"/>
-    <ds:schemaRef ds:uri="http://schemas.microsoft.com/office/2006/metadata/properties/metaAttributes"/>
-    <ds:schemaRef ds:uri="http://www.w3.org/2001/XMLSchema"/>
-    <ds:schemaRef ds:uri="http://schemas.microsoft.com/office/2006/metadata/properties"/>
-    <ds:schemaRef ds:uri="677f369c-0c7e-4879-9dfb-6cea400ef005"/>
-    <ds:schemaRef ds:uri="1f1919ae-71d8-4e78-b1bd-1ce78ec43a0b"/>
-    <ds:schemaRef ds:uri="http://schemas.microsoft.com/office/2006/documentManagement/types"/>
-    <ds:schemaRef ds:uri="http://schemas.microsoft.com/office/infopath/2007/PartnerControls"/>
-    <ds:schemaRef ds:uri="http://schemas.openxmlformats.org/package/2006/metadata/core-properties"/>
-    <ds:schemaRef ds:uri="http://purl.org/dc/elements/1.1/"/>
-    <ds:schemaRef ds:uri="http://purl.org/dc/terms/"/>
-    <ds:schemaRef ds:uri="http://schemas.microsoft.com/internal/obd"/>
+    <ds:schemaRef ds:uri="http://schemas.microsoft.com/sharepoint/v3/contenttype/forms"/>
   </ds:schemaRefs>
 </ds:datastoreItem>
 </file>
@@ -11734,9 +11710,20 @@
 </file>
 
 <file path=customXml/itemProps3.xml><?xml version="1.0" encoding="utf-8"?>
-<ds:datastoreItem xmlns:ds="http://schemas.openxmlformats.org/officeDocument/2006/customXml" ds:itemID="{EB6E4AB4-6812-4825-A477-08F4E470421C}">
+<ds:datastoreItem xmlns:ds="http://schemas.openxmlformats.org/officeDocument/2006/customXml" ds:itemID="{970F8390-6E74-4A79-9421-4644E21F9783}">
   <ds:schemaRefs>
-    <ds:schemaRef ds:uri="http://schemas.microsoft.com/sharepoint/v3/contenttype/forms"/>
+    <ds:schemaRef ds:uri="http://schemas.microsoft.com/office/2006/metadata/contentType"/>
+    <ds:schemaRef ds:uri="http://schemas.microsoft.com/office/2006/metadata/properties/metaAttributes"/>
+    <ds:schemaRef ds:uri="http://www.w3.org/2001/XMLSchema"/>
+    <ds:schemaRef ds:uri="http://schemas.microsoft.com/office/2006/metadata/properties"/>
+    <ds:schemaRef ds:uri="677f369c-0c7e-4879-9dfb-6cea400ef005"/>
+    <ds:schemaRef ds:uri="1f1919ae-71d8-4e78-b1bd-1ce78ec43a0b"/>
+    <ds:schemaRef ds:uri="http://schemas.microsoft.com/office/2006/documentManagement/types"/>
+    <ds:schemaRef ds:uri="http://schemas.microsoft.com/office/infopath/2007/PartnerControls"/>
+    <ds:schemaRef ds:uri="http://schemas.openxmlformats.org/package/2006/metadata/core-properties"/>
+    <ds:schemaRef ds:uri="http://purl.org/dc/elements/1.1/"/>
+    <ds:schemaRef ds:uri="http://purl.org/dc/terms/"/>
+    <ds:schemaRef ds:uri="http://schemas.microsoft.com/internal/obd"/>
   </ds:schemaRefs>
 </ds:datastoreItem>
 </file>